--- a/TypeScript.pptx
+++ b/TypeScript.pptx
@@ -228,7 +228,7 @@
           <a:p>
             <a:fld id="{C926636E-9ADD-48B5-85FB-AF62325256DA}" type="datetimeFigureOut">
               <a:rPr lang="en-US"/>
-              <a:t>9/23/2015</a:t>
+              <a:t>9/25/2015</a:t>
             </a:fld>
             <a:endParaRPr lang="en-US"/>
           </a:p>
@@ -3640,7 +3640,7 @@
           <a:p>
             <a:fld id="{F1FA7AC5-6045-4418-8E60-F48788734473}" type="datetimeFigureOut">
               <a:rPr lang="en-US" smtClean="0"/>
-              <a:t>9/23/2015</a:t>
+              <a:t>9/25/2015</a:t>
             </a:fld>
             <a:endParaRPr lang="en-US"/>
           </a:p>
@@ -3822,7 +3822,7 @@
           <a:p>
             <a:fld id="{F1FA7AC5-6045-4418-8E60-F48788734473}" type="datetimeFigureOut">
               <a:rPr lang="en-US" smtClean="0"/>
-              <a:t>9/23/2015</a:t>
+              <a:t>9/25/2015</a:t>
             </a:fld>
             <a:endParaRPr lang="en-US"/>
           </a:p>
@@ -4014,7 +4014,7 @@
           <a:p>
             <a:fld id="{F1FA7AC5-6045-4418-8E60-F48788734473}" type="datetimeFigureOut">
               <a:rPr lang="en-US" smtClean="0"/>
-              <a:t>9/23/2015</a:t>
+              <a:t>9/25/2015</a:t>
             </a:fld>
             <a:endParaRPr lang="en-US"/>
           </a:p>
@@ -4196,7 +4196,7 @@
           <a:p>
             <a:fld id="{F1FA7AC5-6045-4418-8E60-F48788734473}" type="datetimeFigureOut">
               <a:rPr lang="en-US" smtClean="0"/>
-              <a:t>9/23/2015</a:t>
+              <a:t>9/25/2015</a:t>
             </a:fld>
             <a:endParaRPr lang="en-US"/>
           </a:p>
@@ -4454,7 +4454,7 @@
           <a:p>
             <a:fld id="{F1FA7AC5-6045-4418-8E60-F48788734473}" type="datetimeFigureOut">
               <a:rPr lang="en-US" smtClean="0"/>
-              <a:t>9/23/2015</a:t>
+              <a:t>9/25/2015</a:t>
             </a:fld>
             <a:endParaRPr lang="en-US"/>
           </a:p>
@@ -4698,7 +4698,7 @@
           <a:p>
             <a:fld id="{F1FA7AC5-6045-4418-8E60-F48788734473}" type="datetimeFigureOut">
               <a:rPr lang="en-US" smtClean="0"/>
-              <a:t>9/23/2015</a:t>
+              <a:t>9/25/2015</a:t>
             </a:fld>
             <a:endParaRPr lang="en-US"/>
           </a:p>
@@ -5077,7 +5077,7 @@
           <a:p>
             <a:fld id="{F1FA7AC5-6045-4418-8E60-F48788734473}" type="datetimeFigureOut">
               <a:rPr lang="en-US" smtClean="0"/>
-              <a:t>9/23/2015</a:t>
+              <a:t>9/25/2015</a:t>
             </a:fld>
             <a:endParaRPr lang="en-US"/>
           </a:p>
@@ -5207,7 +5207,7 @@
           <a:p>
             <a:fld id="{F1FA7AC5-6045-4418-8E60-F48788734473}" type="datetimeFigureOut">
               <a:rPr lang="en-US" smtClean="0"/>
-              <a:t>9/23/2015</a:t>
+              <a:t>9/25/2015</a:t>
             </a:fld>
             <a:endParaRPr lang="en-US"/>
           </a:p>
@@ -5314,7 +5314,7 @@
           <a:p>
             <a:fld id="{F1FA7AC5-6045-4418-8E60-F48788734473}" type="datetimeFigureOut">
               <a:rPr lang="en-US" smtClean="0"/>
-              <a:t>9/23/2015</a:t>
+              <a:t>9/25/2015</a:t>
             </a:fld>
             <a:endParaRPr lang="en-US"/>
           </a:p>
@@ -5603,7 +5603,7 @@
           <a:p>
             <a:fld id="{F1FA7AC5-6045-4418-8E60-F48788734473}" type="datetimeFigureOut">
               <a:rPr lang="en-US" smtClean="0"/>
-              <a:t>9/23/2015</a:t>
+              <a:t>9/25/2015</a:t>
             </a:fld>
             <a:endParaRPr lang="en-US"/>
           </a:p>
@@ -5868,7 +5868,7 @@
           <a:p>
             <a:fld id="{F1FA7AC5-6045-4418-8E60-F48788734473}" type="datetimeFigureOut">
               <a:rPr lang="en-US" smtClean="0"/>
-              <a:t>9/23/2015</a:t>
+              <a:t>9/25/2015</a:t>
             </a:fld>
             <a:endParaRPr lang="en-US"/>
           </a:p>
@@ -6093,7 +6093,7 @@
           <a:p>
             <a:fld id="{F1FA7AC5-6045-4418-8E60-F48788734473}" type="datetimeFigureOut">
               <a:rPr lang="en-US" smtClean="0"/>
-              <a:t>9/23/2015</a:t>
+              <a:t>9/25/2015</a:t>
             </a:fld>
             <a:endParaRPr lang="en-US" dirty="0"/>
           </a:p>
@@ -8317,14 +8317,18 @@
           <a:lstStyle/>
           <a:p>
             <a:r>
-              <a:rPr lang="en-US"/>
-              <a:t>TSD - </a:t>
+              <a:rPr lang="en-US" dirty="0" smtClean="0"/>
+              <a:t>TSD </a:t>
+            </a:r>
+            <a:r>
+              <a:rPr lang="en-US" dirty="0"/>
+              <a:t>- </a:t>
             </a:r>
             <a:r>
               <a:rPr lang="en-US" sz="2400" dirty="0"/>
               <a:t>TypeScript Definition Files package manager</a:t>
             </a:r>
-            <a:endParaRPr lang="en-US" sz="2400">
+            <a:endParaRPr lang="en-US" sz="2400" dirty="0">
               <a:solidFill>
                 <a:srgbClr val="000000"/>
               </a:solidFill>
@@ -8355,9 +8359,21 @@
             </a:pPr>
             <a:r>
               <a:rPr lang="en-US" dirty="0"/>
-              <a:t>TypeScript Definition Files (ambient declaration files)</a:t>
-            </a:r>
-            <a:endParaRPr lang="en-US">
+              <a:t>TypeScript Definition </a:t>
+            </a:r>
+            <a:r>
+              <a:rPr lang="en-US" dirty="0" smtClean="0"/>
+              <a:t>File </a:t>
+            </a:r>
+            <a:r>
+              <a:rPr lang="en-US" dirty="0"/>
+              <a:t>(ambient declaration </a:t>
+            </a:r>
+            <a:r>
+              <a:rPr lang="en-US" dirty="0" smtClean="0"/>
+              <a:t>file)</a:t>
+            </a:r>
+            <a:endParaRPr lang="en-US" dirty="0">
               <a:solidFill>
                 <a:srgbClr val="000000"/>
               </a:solidFill>
@@ -8403,7 +8419,23 @@
               </a:rPr>
               <a:t>Allows the definition of strong types.</a:t>
             </a:r>
-            <a:endParaRPr lang="en-US">
+          </a:p>
+          <a:p>
+            <a:r>
+              <a:rPr lang="en-US" dirty="0">
+                <a:solidFill>
+                  <a:srgbClr val="000000"/>
+                </a:solidFill>
+                <a:latin typeface="Calibri"/>
+              </a:rPr>
+              <a:t>Provide type definition for external JavaScript libraries.</a:t>
+            </a:r>
+          </a:p>
+          <a:p>
+            <a:pPr marL="0" indent="0">
+              <a:buNone/>
+            </a:pPr>
+            <a:endParaRPr lang="en-US" dirty="0">
               <a:solidFill>
                 <a:srgbClr val="000000"/>
               </a:solidFill>
@@ -8411,37 +8443,9 @@
             </a:endParaRPr>
           </a:p>
           <a:p>
-            <a:r>
-              <a:rPr lang="en-US" dirty="0">
-                <a:solidFill>
-                  <a:srgbClr val="000000"/>
-                </a:solidFill>
-                <a:latin typeface="Calibri"/>
-              </a:rPr>
-              <a:t>Provide type definition for external JavaScript libraries.</a:t>
-            </a:r>
-            <a:endParaRPr lang="en-US">
-              <a:solidFill>
-                <a:srgbClr val="000000"/>
-              </a:solidFill>
-              <a:latin typeface="Calibri"/>
-            </a:endParaRPr>
-          </a:p>
-          <a:p>
             <a:pPr marL="0" indent="0">
               <a:buNone/>
             </a:pPr>
-            <a:endParaRPr lang="en-US">
-              <a:solidFill>
-                <a:srgbClr val="000000"/>
-              </a:solidFill>
-              <a:latin typeface="Calibri"/>
-            </a:endParaRPr>
-          </a:p>
-          <a:p>
-            <a:pPr marL="0" indent="0">
-              <a:buNone/>
-            </a:pPr>
             <a:r>
               <a:rPr lang="en-US" dirty="0">
                 <a:solidFill>
@@ -8451,12 +8455,6 @@
               </a:rPr>
               <a:t>There's a community driven project on GitHub that tracks all of them:</a:t>
             </a:r>
-            <a:endParaRPr lang="en-US">
-              <a:solidFill>
-                <a:srgbClr val="000000"/>
-              </a:solidFill>
-              <a:latin typeface="Calibri"/>
-            </a:endParaRPr>
           </a:p>
           <a:p>
             <a:pPr marL="0" indent="0">
@@ -8490,12 +8488,6 @@
               </a:rPr>
               <a:t>)</a:t>
             </a:r>
-            <a:endParaRPr lang="en-US">
-              <a:solidFill>
-                <a:srgbClr val="000000"/>
-              </a:solidFill>
-              <a:latin typeface="Calibri" charset="0"/>
-            </a:endParaRPr>
           </a:p>
           <a:p>
             <a:pPr marL="0" indent="0">
@@ -8513,16 +8505,34 @@
               <a:buNone/>
             </a:pPr>
             <a:r>
-              <a:rPr lang="en-US">
+              <a:rPr lang="en-US" dirty="0">
                 <a:solidFill>
                   <a:srgbClr val="000000"/>
                 </a:solidFill>
                 <a:latin typeface="Calibri" charset="0"/>
               </a:rPr>
-              <a:t>TSD: a specialized package manager to look for definition files inside DefinitelyTyped repository (</a:t>
-            </a:r>
-            <a:r>
-              <a:rPr lang="en-US">
+              <a:t>TSD: a specialized package manager to look for definition files inside </a:t>
+            </a:r>
+            <a:r>
+              <a:rPr lang="en-US" dirty="0" err="1">
+                <a:solidFill>
+                  <a:srgbClr val="000000"/>
+                </a:solidFill>
+                <a:latin typeface="Calibri" charset="0"/>
+              </a:rPr>
+              <a:t>DefinitelyTyped</a:t>
+            </a:r>
+            <a:r>
+              <a:rPr lang="en-US" dirty="0">
+                <a:solidFill>
+                  <a:srgbClr val="000000"/>
+                </a:solidFill>
+                <a:latin typeface="Calibri" charset="0"/>
+              </a:rPr>
+              <a:t> repository (</a:t>
+            </a:r>
+            <a:r>
+              <a:rPr lang="en-US" dirty="0">
                 <a:solidFill>
                   <a:srgbClr val="000000"/>
                 </a:solidFill>
@@ -8532,7 +8542,7 @@
               <a:t>http://definitelytyped.org/tsd/</a:t>
             </a:r>
             <a:r>
-              <a:rPr lang="en-US">
+              <a:rPr lang="en-US" dirty="0">
                 <a:solidFill>
                   <a:srgbClr val="000000"/>
                 </a:solidFill>
@@ -8540,12 +8550,6 @@
               </a:rPr>
               <a:t>) </a:t>
             </a:r>
-            <a:endParaRPr lang="en-US" dirty="0">
-              <a:solidFill>
-                <a:srgbClr val="000000"/>
-              </a:solidFill>
-              <a:latin typeface="Calibri" charset="0"/>
-            </a:endParaRPr>
           </a:p>
           <a:p>
             <a:pPr marL="0" indent="0">
@@ -9982,7 +9986,27 @@
             </a:pPr>
             <a:r>
               <a:rPr lang="en-US" dirty="0"/>
-              <a:t>The 'this': represent the instance of the class itself (like in C#).</a:t>
+              <a:t>The '</a:t>
+            </a:r>
+            <a:r>
+              <a:rPr lang="en-US" dirty="0">
+                <a:solidFill>
+                  <a:srgbClr val="FF0000"/>
+                </a:solidFill>
+              </a:rPr>
+              <a:t>this</a:t>
+            </a:r>
+            <a:r>
+              <a:rPr lang="en-US" dirty="0"/>
+              <a:t>': </a:t>
+            </a:r>
+            <a:r>
+              <a:rPr lang="en-US" dirty="0" smtClean="0"/>
+              <a:t>most of the times it represents </a:t>
+            </a:r>
+            <a:r>
+              <a:rPr lang="en-US" dirty="0"/>
+              <a:t>the instance of the class itself (like in C#).</a:t>
             </a:r>
             <a:endParaRPr lang="en-US" dirty="0">
               <a:solidFill>
@@ -10002,22 +10026,58 @@
               <a:buNone/>
             </a:pPr>
             <a:r>
-              <a:rPr lang="en-US" dirty="0">
-                <a:solidFill>
-                  <a:srgbClr val="000000"/>
-                </a:solidFill>
-                <a:latin typeface="Calibri"/>
-              </a:rPr>
-              <a:t>The 'this' </a:t>
-            </a:r>
-            <a:r>
               <a:rPr lang="en-US" dirty="0" smtClean="0">
                 <a:solidFill>
                   <a:srgbClr val="000000"/>
                 </a:solidFill>
                 <a:latin typeface="Calibri"/>
               </a:rPr>
-              <a:t>in function expression and when using the </a:t>
+              <a:t>The </a:t>
+            </a:r>
+            <a:r>
+              <a:rPr lang="en-US" dirty="0">
+                <a:solidFill>
+                  <a:srgbClr val="000000"/>
+                </a:solidFill>
+                <a:latin typeface="Calibri"/>
+              </a:rPr>
+              <a:t>'this' </a:t>
+            </a:r>
+            <a:r>
+              <a:rPr lang="en-US" dirty="0" smtClean="0">
+                <a:solidFill>
+                  <a:srgbClr val="000000"/>
+                </a:solidFill>
+                <a:latin typeface="Calibri"/>
+              </a:rPr>
+              <a:t>has a </a:t>
+            </a:r>
+            <a:r>
+              <a:rPr lang="en-US" dirty="0" smtClean="0">
+                <a:solidFill>
+                  <a:srgbClr val="FF0000"/>
+                </a:solidFill>
+                <a:latin typeface="Calibri"/>
+              </a:rPr>
+              <a:t>different</a:t>
+            </a:r>
+            <a:r>
+              <a:rPr lang="en-US" dirty="0" smtClean="0">
+                <a:solidFill>
+                  <a:srgbClr val="000000"/>
+                </a:solidFill>
+                <a:latin typeface="Calibri"/>
+              </a:rPr>
+              <a:t> meaning in </a:t>
+            </a:r>
+            <a:r>
+              <a:rPr lang="en-US" dirty="0" smtClean="0">
+                <a:solidFill>
+                  <a:srgbClr val="000000"/>
+                </a:solidFill>
+                <a:latin typeface="Calibri"/>
+              </a:rPr>
+              <a:t>function expression and when using the </a:t>
             </a:r>
             <a:r>
               <a:rPr lang="en-US" dirty="0">
@@ -10038,7 +10098,16 @@
                 </a:solidFill>
                 <a:latin typeface="Calibri"/>
               </a:rPr>
-              <a:t>function() { … } </a:t>
+              <a:t>function() { … </a:t>
+            </a:r>
+            <a:r>
+              <a:rPr lang="en-US" sz="2800" dirty="0" smtClean="0">
+                <a:solidFill>
+                  <a:srgbClr val="000000"/>
+                </a:solidFill>
+                <a:latin typeface="Calibri"/>
+              </a:rPr>
+              <a:t>}: </a:t>
             </a:r>
             <a:r>
               <a:rPr lang="en-US" sz="2800" dirty="0">
@@ -10074,7 +10143,16 @@
                 </a:solidFill>
                 <a:latin typeface="Calibri"/>
               </a:rPr>
-              <a:t>() =&gt; { … } </a:t>
+              <a:t>() =&gt; { … </a:t>
+            </a:r>
+            <a:r>
+              <a:rPr lang="en-US" sz="2800" dirty="0" smtClean="0">
+                <a:solidFill>
+                  <a:srgbClr val="000000"/>
+                </a:solidFill>
+                <a:latin typeface="Calibri"/>
+              </a:rPr>
+              <a:t>}: </a:t>
             </a:r>
             <a:r>
               <a:rPr lang="en-US" sz="2800" dirty="0" smtClean="0">
@@ -10174,7 +10252,16 @@
                 </a:solidFill>
                 <a:latin typeface="Calibri"/>
               </a:rPr>
-              <a:t>properly that is: call </a:t>
+              <a:t>properly, </a:t>
+            </a:r>
+            <a:r>
+              <a:rPr lang="en-US" dirty="0" smtClean="0">
+                <a:solidFill>
+                  <a:srgbClr val="000000"/>
+                </a:solidFill>
+                <a:latin typeface="Calibri"/>
+              </a:rPr>
+              <a:t>that is: call </a:t>
             </a:r>
             <a:r>
               <a:rPr lang="en-US" dirty="0">
@@ -10645,7 +10732,7 @@
               <a:rPr lang="en-US" dirty="0"/>
               <a:t>Also called 'external module':</a:t>
             </a:r>
-            <a:endParaRPr lang="en-US">
+            <a:endParaRPr lang="en-US" dirty="0">
               <a:solidFill>
                 <a:srgbClr val="000000"/>
               </a:solidFill>
@@ -10716,14 +10803,26 @@
               <a:rPr lang="en-US" dirty="0">
                 <a:latin typeface="Calibri" charset="0"/>
               </a:rPr>
-              <a:t>Node.js / Require.js dynamic module loaders. </a:t>
+              <a:t>Node.js / </a:t>
+            </a:r>
+            <a:r>
+              <a:rPr lang="en-US" dirty="0" smtClean="0">
+                <a:latin typeface="Calibri" charset="0"/>
+              </a:rPr>
+              <a:t>Require.js </a:t>
+            </a:r>
+            <a:r>
+              <a:rPr lang="en-US" dirty="0">
+                <a:latin typeface="Calibri" charset="0"/>
+              </a:rPr>
+              <a:t>dynamic module loaders. </a:t>
             </a:r>
           </a:p>
           <a:p>
             <a:pPr marL="0" indent="0">
               <a:buNone/>
             </a:pPr>
-            <a:endParaRPr lang="en-US">
+            <a:endParaRPr lang="en-US" dirty="0">
               <a:solidFill>
                 <a:srgbClr val="000000"/>
               </a:solidFill>
@@ -11424,22 +11523,28 @@
       </p:sp>
       <p:pic>
         <p:nvPicPr>
-          <p:cNvPr id="4" name="Picture 3" descr="webnextconf03.PNG"/>
+          <p:cNvPr id="5" name="Immagine 4"/>
           <p:cNvPicPr>
             <a:picLocks noChangeAspect="1"/>
           </p:cNvPicPr>
           <p:nvPr/>
         </p:nvPicPr>
         <p:blipFill>
-          <a:blip r:embed="rId4"/>
+          <a:blip r:embed="rId4">
+            <a:extLst>
+              <a:ext uri="{28A0092B-C50C-407E-A947-70E740481C1C}">
+                <a14:useLocalDpi xmlns:a14="http://schemas.microsoft.com/office/drawing/2010/main" val="0"/>
+              </a:ext>
+            </a:extLst>
+          </a:blip>
           <a:stretch>
             <a:fillRect/>
           </a:stretch>
         </p:blipFill>
         <p:spPr>
           <a:xfrm>
-            <a:off x="2437500" y="2900871"/>
-            <a:ext cx="4269001" cy="3300570"/>
+            <a:off x="2569211" y="3175898"/>
+            <a:ext cx="4005578" cy="2761911"/>
           </a:xfrm>
           <a:prstGeom prst="rect">
             <a:avLst/>
@@ -13240,16 +13345,8 @@
           <a:p>
             <a:pPr lvl="1"/>
             <a:r>
-              <a:rPr lang="en-US" b="1" dirty="0"/>
-              <a:t>Tooling </a:t>
-            </a:r>
-            <a:r>
               <a:rPr lang="en-US" b="1" dirty="0" smtClean="0"/>
-              <a:t>SUX </a:t>
-            </a:r>
-            <a:r>
-              <a:rPr lang="en-US" b="1" dirty="0"/>
-              <a:t>(badly)!</a:t>
+              <a:t>Tooling isn’t good enough!</a:t>
             </a:r>
             <a:endParaRPr lang="en-US" sz="2800" dirty="0"/>
           </a:p>
@@ -13397,7 +13494,7 @@
         <p:spPr>
           <a:xfrm>
             <a:off x="2110044" y="3173969"/>
-            <a:ext cx="4923912" cy="707886"/>
+            <a:ext cx="5178790" cy="707886"/>
           </a:xfrm>
           <a:prstGeom prst="rect">
             <a:avLst/>
@@ -13432,13 +13529,206 @@
                   <a:srgbClr val="FF0000"/>
                 </a:solidFill>
               </a:rPr>
-              <a:t> SUX!</a:t>
+              <a:t> SUX*!</a:t>
             </a:r>
             <a:endParaRPr lang="it-IT" sz="4000" dirty="0">
               <a:solidFill>
                 <a:srgbClr val="FF0000"/>
               </a:solidFill>
             </a:endParaRPr>
+          </a:p>
+        </p:txBody>
+      </p:sp>
+      <p:sp>
+        <p:nvSpPr>
+          <p:cNvPr id="6" name="CasellaDiTesto 5"/>
+          <p:cNvSpPr txBox="1"/>
+          <p:nvPr/>
+        </p:nvSpPr>
+        <p:spPr>
+          <a:xfrm>
+            <a:off x="1048844" y="5407462"/>
+            <a:ext cx="7046309" cy="707886"/>
+          </a:xfrm>
+          <a:prstGeom prst="rect">
+            <a:avLst/>
+          </a:prstGeom>
+          <a:noFill/>
+        </p:spPr>
+        <p:txBody>
+          <a:bodyPr wrap="square" rtlCol="0">
+            <a:spAutoFit/>
+          </a:bodyPr>
+          <a:lstStyle/>
+          <a:p>
+            <a:r>
+              <a:rPr lang="it-IT" sz="2000" dirty="0" smtClean="0">
+                <a:solidFill>
+                  <a:srgbClr val="FF0000"/>
+                </a:solidFill>
+              </a:rPr>
+              <a:t>* I </a:t>
+            </a:r>
+            <a:r>
+              <a:rPr lang="it-IT" sz="2000" dirty="0" err="1" smtClean="0">
+                <a:solidFill>
+                  <a:srgbClr val="FF0000"/>
+                </a:solidFill>
+              </a:rPr>
+              <a:t>apologize</a:t>
+            </a:r>
+            <a:r>
+              <a:rPr lang="it-IT" sz="2000" dirty="0" smtClean="0">
+                <a:solidFill>
+                  <a:srgbClr val="FF0000"/>
+                </a:solidFill>
+              </a:rPr>
+              <a:t> for the </a:t>
+            </a:r>
+            <a:r>
+              <a:rPr lang="it-IT" sz="2000" dirty="0" err="1" smtClean="0">
+                <a:solidFill>
+                  <a:srgbClr val="FF0000"/>
+                </a:solidFill>
+              </a:rPr>
+              <a:t>chatchphrase</a:t>
+            </a:r>
+            <a:r>
+              <a:rPr lang="it-IT" sz="2000" dirty="0" smtClean="0">
+                <a:solidFill>
+                  <a:srgbClr val="FF0000"/>
+                </a:solidFill>
+              </a:rPr>
+              <a:t> to </a:t>
+            </a:r>
+            <a:r>
+              <a:rPr lang="it-IT" sz="2000" dirty="0" err="1" smtClean="0">
+                <a:solidFill>
+                  <a:srgbClr val="FF0000"/>
+                </a:solidFill>
+              </a:rPr>
+              <a:t>all</a:t>
+            </a:r>
+            <a:r>
+              <a:rPr lang="it-IT" sz="2000" dirty="0" smtClean="0">
+                <a:solidFill>
+                  <a:srgbClr val="FF0000"/>
+                </a:solidFill>
+              </a:rPr>
+              <a:t> the Developers </a:t>
+            </a:r>
+            <a:r>
+              <a:rPr lang="it-IT" sz="2000" dirty="0" err="1" smtClean="0">
+                <a:solidFill>
+                  <a:srgbClr val="FF0000"/>
+                </a:solidFill>
+              </a:rPr>
+              <a:t>that</a:t>
+            </a:r>
+            <a:r>
+              <a:rPr lang="it-IT" sz="2000" dirty="0" smtClean="0">
+                <a:solidFill>
+                  <a:srgbClr val="FF0000"/>
+                </a:solidFill>
+              </a:rPr>
+              <a:t> </a:t>
+            </a:r>
+            <a:r>
+              <a:rPr lang="it-IT" sz="2000" dirty="0" err="1" smtClean="0">
+                <a:solidFill>
+                  <a:srgbClr val="FF0000"/>
+                </a:solidFill>
+              </a:rPr>
+              <a:t>worked</a:t>
+            </a:r>
+            <a:r>
+              <a:rPr lang="it-IT" sz="2000" dirty="0" smtClean="0">
+                <a:solidFill>
+                  <a:srgbClr val="FF0000"/>
+                </a:solidFill>
+              </a:rPr>
+              <a:t> hard to </a:t>
+            </a:r>
+            <a:r>
+              <a:rPr lang="it-IT" sz="2000" dirty="0" err="1" smtClean="0">
+                <a:solidFill>
+                  <a:srgbClr val="FF0000"/>
+                </a:solidFill>
+              </a:rPr>
+              <a:t>give</a:t>
+            </a:r>
+            <a:r>
+              <a:rPr lang="it-IT" sz="2000" dirty="0" smtClean="0">
+                <a:solidFill>
+                  <a:srgbClr val="FF0000"/>
+                </a:solidFill>
+              </a:rPr>
+              <a:t> </a:t>
+            </a:r>
+            <a:r>
+              <a:rPr lang="it-IT" sz="2000" dirty="0" err="1" smtClean="0">
+                <a:solidFill>
+                  <a:srgbClr val="FF0000"/>
+                </a:solidFill>
+              </a:rPr>
+              <a:t>us</a:t>
+            </a:r>
+            <a:r>
+              <a:rPr lang="it-IT" sz="2000" dirty="0" smtClean="0">
+                <a:solidFill>
+                  <a:srgbClr val="FF0000"/>
+                </a:solidFill>
+              </a:rPr>
+              <a:t> the best </a:t>
+            </a:r>
+            <a:r>
+              <a:rPr lang="it-IT" sz="2000" dirty="0" err="1" smtClean="0">
+                <a:solidFill>
+                  <a:srgbClr val="FF0000"/>
+                </a:solidFill>
+              </a:rPr>
+              <a:t>experience</a:t>
+            </a:r>
+            <a:r>
+              <a:rPr lang="it-IT" sz="2000" dirty="0" smtClean="0">
+                <a:solidFill>
+                  <a:srgbClr val="FF0000"/>
+                </a:solidFill>
+              </a:rPr>
+              <a:t> </a:t>
+            </a:r>
+            <a:r>
+              <a:rPr lang="it-IT" sz="2000" dirty="0" err="1" smtClean="0">
+                <a:solidFill>
+                  <a:srgbClr val="FF0000"/>
+                </a:solidFill>
+              </a:rPr>
+              <a:t>they</a:t>
+            </a:r>
+            <a:r>
+              <a:rPr lang="it-IT" sz="2000" dirty="0" smtClean="0">
+                <a:solidFill>
+                  <a:srgbClr val="FF0000"/>
+                </a:solidFill>
+              </a:rPr>
+              <a:t> </a:t>
+            </a:r>
+            <a:r>
+              <a:rPr lang="it-IT" sz="2000" dirty="0" err="1" smtClean="0">
+                <a:solidFill>
+                  <a:srgbClr val="FF0000"/>
+                </a:solidFill>
+              </a:rPr>
+              <a:t>could</a:t>
+            </a:r>
+            <a:r>
+              <a:rPr lang="it-IT" sz="2000" dirty="0">
+                <a:solidFill>
+                  <a:srgbClr val="FF0000"/>
+                </a:solidFill>
+              </a:rPr>
+              <a:t>.</a:t>
+            </a:r>
           </a:p>
         </p:txBody>
       </p:sp>
@@ -13519,6 +13809,41 @@
                                   </p:childTnLst>
                                 </p:cTn>
                               </p:par>
+                              <p:par>
+                                <p:cTn id="8" presetID="10" presetClass="entr" presetSubtype="0" fill="hold" grpId="0" nodeType="withEffect">
+                                  <p:stCondLst>
+                                    <p:cond delay="0"/>
+                                  </p:stCondLst>
+                                  <p:childTnLst>
+                                    <p:set>
+                                      <p:cBhvr>
+                                        <p:cTn id="9" dur="1" fill="hold">
+                                          <p:stCondLst>
+                                            <p:cond delay="0"/>
+                                          </p:stCondLst>
+                                        </p:cTn>
+                                        <p:tgtEl>
+                                          <p:spTgt spid="6"/>
+                                        </p:tgtEl>
+                                        <p:attrNameLst>
+                                          <p:attrName>style.visibility</p:attrName>
+                                        </p:attrNameLst>
+                                      </p:cBhvr>
+                                      <p:to>
+                                        <p:strVal val="visible"/>
+                                      </p:to>
+                                    </p:set>
+                                    <p:animEffect transition="in" filter="fade">
+                                      <p:cBhvr>
+                                        <p:cTn id="10" dur="500"/>
+                                        <p:tgtEl>
+                                          <p:spTgt spid="6"/>
+                                        </p:tgtEl>
+                                      </p:cBhvr>
+                                    </p:animEffect>
+                                  </p:childTnLst>
+                                </p:cTn>
+                              </p:par>
                             </p:childTnLst>
                           </p:cTn>
                         </p:par>
@@ -13548,6 +13873,7 @@
     </p:tnLst>
     <p:bldLst>
       <p:bldP spid="5" grpId="0"/>
+      <p:bldP spid="6" grpId="0"/>
     </p:bldLst>
   </p:timing>
 </p:sld>
